--- a/Capstone intro slides.pptx
+++ b/Capstone intro slides.pptx
@@ -6,10 +6,9 @@
   </p:sldMasterIdLst>
   <p:sldIdLst>
     <p:sldId id="292" r:id="rId5"/>
-    <p:sldId id="311" r:id="rId6"/>
-    <p:sldId id="310" r:id="rId7"/>
-    <p:sldId id="312" r:id="rId8"/>
-    <p:sldId id="313" r:id="rId9"/>
+    <p:sldId id="310" r:id="rId6"/>
+    <p:sldId id="312" r:id="rId7"/>
+    <p:sldId id="313" r:id="rId8"/>
   </p:sldIdLst>
   <p:sldSz cx="12192000" cy="6858000"/>
   <p:notesSz cx="6858000" cy="9144000"/>
@@ -585,7 +584,7 @@
           <a:p>
             <a:fld id="{EA0C0817-A112-4847-8014-A94B7D2A4EA3}" type="datetime1">
               <a:rPr lang="en-US" smtClean="0"/>
-              <a:t>8/10/2021</a:t>
+              <a:t>8/13/2021</a:t>
             </a:fld>
             <a:endParaRPr lang="en-US" dirty="0"/>
           </a:p>
@@ -787,7 +786,7 @@
           <a:p>
             <a:fld id="{7332B432-ACDA-4023-A761-2BAB76577B62}" type="datetime1">
               <a:rPr lang="en-US" smtClean="0"/>
-              <a:t>8/10/2021</a:t>
+              <a:t>8/13/2021</a:t>
             </a:fld>
             <a:endParaRPr lang="en-US" dirty="0"/>
           </a:p>
@@ -1386,7 +1385,7 @@
           <a:p>
             <a:fld id="{D9C646AA-F36E-4540-911D-FFFC0A0EF24A}" type="datetime1">
               <a:rPr lang="en-US" smtClean="0"/>
-              <a:t>8/10/2021</a:t>
+              <a:t>8/13/2021</a:t>
             </a:fld>
             <a:endParaRPr lang="en-US" dirty="0"/>
           </a:p>
@@ -1706,7 +1705,7 @@
           <a:p>
             <a:fld id="{69186D26-FA5F-4637-B602-B7C2DC34CFD4}" type="datetime1">
               <a:rPr lang="en-US" smtClean="0"/>
-              <a:t>8/10/2021</a:t>
+              <a:t>8/13/2021</a:t>
             </a:fld>
             <a:endParaRPr lang="en-US" dirty="0"/>
           </a:p>
@@ -2143,7 +2142,7 @@
           <a:p>
             <a:fld id="{8A7F15D8-96D1-4781-BC50-CA8A088B2FE4}" type="datetime1">
               <a:rPr lang="en-US" smtClean="0"/>
-              <a:t>8/10/2021</a:t>
+              <a:t>8/13/2021</a:t>
             </a:fld>
             <a:endParaRPr lang="en-US" dirty="0"/>
           </a:p>
@@ -2261,7 +2260,7 @@
           <a:p>
             <a:fld id="{F9A96C99-B8F8-4528-BD05-0E16E943DC09}" type="datetime1">
               <a:rPr lang="en-US" smtClean="0"/>
-              <a:t>8/10/2021</a:t>
+              <a:t>8/13/2021</a:t>
             </a:fld>
             <a:endParaRPr lang="en-US" dirty="0"/>
           </a:p>
@@ -2356,7 +2355,7 @@
           <a:p>
             <a:fld id="{03636942-C211-4B28-8DBD-C953E00AF71B}" type="datetime1">
               <a:rPr lang="en-US" smtClean="0"/>
-              <a:t>8/10/2021</a:t>
+              <a:t>8/13/2021</a:t>
             </a:fld>
             <a:endParaRPr lang="en-US" dirty="0"/>
           </a:p>
@@ -2773,7 +2772,7 @@
           <a:p>
             <a:fld id="{7E8D12A6-918A-48BD-8CB9-CA713993B0EA}" type="datetime1">
               <a:rPr lang="en-US" smtClean="0"/>
-              <a:t>8/10/2021</a:t>
+              <a:t>8/13/2021</a:t>
             </a:fld>
             <a:endParaRPr lang="en-US" dirty="0"/>
           </a:p>
@@ -3035,7 +3034,7 @@
             <a:fld id="{E778CE86-875F-4587-BCF6-FA054AFC0D53}" type="datetime1">
               <a:rPr lang="en-US" smtClean="0"/>
               <a:pPr/>
-              <a:t>8/10/2021</a:t>
+              <a:t>8/13/2021</a:t>
             </a:fld>
             <a:endParaRPr lang="en-US" dirty="0"/>
           </a:p>
@@ -3551,7 +3550,7 @@
           <a:p>
             <a:fld id="{F6FA2B21-3FCD-4721-B95C-427943F61125}" type="datetime1">
               <a:rPr lang="en-US" smtClean="0"/>
-              <a:t>8/10/2021</a:t>
+              <a:t>8/13/2021</a:t>
             </a:fld>
             <a:endParaRPr lang="en-US" dirty="0"/>
           </a:p>
@@ -4176,13 +4175,18 @@
           <a:lstStyle/>
           <a:p>
             <a:r>
-              <a:rPr lang="en-US" sz="2800" dirty="0">
+              <a:rPr lang="en-US" sz="2800">
                 <a:solidFill>
                   <a:schemeClr val="tx1"/>
                 </a:solidFill>
               </a:rPr>
               <a:t>Mortality  Risks / Life Expectancy </a:t>
             </a:r>
+            <a:endParaRPr lang="en-US" sz="2800" dirty="0">
+              <a:solidFill>
+                <a:schemeClr val="tx1"/>
+              </a:solidFill>
+            </a:endParaRPr>
           </a:p>
         </p:txBody>
       </p:sp>
@@ -4215,7 +4219,7 @@
           <a:lstStyle/>
           <a:p>
             <a:r>
-              <a:rPr lang="en-US" dirty="0">
+              <a:rPr lang="en-US">
                 <a:solidFill>
                   <a:schemeClr val="tx1"/>
                 </a:solidFill>
@@ -4225,12 +4229,12 @@
           </a:p>
           <a:p>
             <a:r>
-              <a:rPr lang="en-US" dirty="0">
+              <a:rPr lang="en-US">
                 <a:hlinkClick r:id="rId4"/>
               </a:rPr>
               <a:t>Dave Stark | LinkedIn</a:t>
             </a:r>
-            <a:endParaRPr lang="en-US" dirty="0">
+            <a:endParaRPr lang="en-US">
               <a:solidFill>
                 <a:schemeClr val="tx1"/>
               </a:solidFill>
@@ -4238,28 +4242,10 @@
           </a:p>
           <a:p>
             <a:r>
-              <a:rPr lang="en-US" dirty="0" err="1">
+              <a:rPr lang="en-US">
                 <a:hlinkClick r:id="rId5"/>
               </a:rPr>
-              <a:t>Dlstark</a:t>
-            </a:r>
-            <a:r>
-              <a:rPr lang="en-US" dirty="0">
-                <a:hlinkClick r:id="rId5"/>
-              </a:rPr>
-              <a:t>/</a:t>
-            </a:r>
-            <a:r>
-              <a:rPr lang="en-US" dirty="0" err="1">
-                <a:hlinkClick r:id="rId5"/>
-              </a:rPr>
-              <a:t>Mortality_Rates</a:t>
-            </a:r>
-            <a:r>
-              <a:rPr lang="en-US" dirty="0">
-                <a:hlinkClick r:id="rId5"/>
-              </a:rPr>
-              <a:t> (github.com)</a:t>
+              <a:t>Dlstark/Mortality_Rates (github.com)</a:t>
             </a:r>
             <a:endParaRPr lang="en-US" dirty="0">
               <a:solidFill>
@@ -4304,7 +4290,7 @@
           <p:cNvPr id="2" name="Title 1">
             <a:extLst>
               <a:ext uri="{FF2B5EF4-FFF2-40B4-BE49-F238E27FC236}">
-                <a16:creationId xmlns:a16="http://schemas.microsoft.com/office/drawing/2014/main" id="{76140D15-87B6-4C5E-BB37-420854A927BE}"/>
+                <a16:creationId xmlns:a16="http://schemas.microsoft.com/office/drawing/2014/main" id="{D73EB638-76FF-4DA4-AFC2-02957C2769F4}"/>
               </a:ext>
             </a:extLst>
           </p:cNvPr>
@@ -4322,9 +4308,10 @@
           <a:p>
             <a:pPr algn="ctr"/>
             <a:r>
-              <a:rPr lang="en-US" b="1" dirty="0"/>
-              <a:t>Special Thanks</a:t>
-            </a:r>
+              <a:rPr lang="en-US" b="1"/>
+              <a:t> Main Objective</a:t>
+            </a:r>
+            <a:endParaRPr lang="en-US" b="1" dirty="0"/>
           </a:p>
         </p:txBody>
       </p:sp>
@@ -4333,7 +4320,7 @@
           <p:cNvPr id="3" name="Content Placeholder 2">
             <a:extLst>
               <a:ext uri="{FF2B5EF4-FFF2-40B4-BE49-F238E27FC236}">
-                <a16:creationId xmlns:a16="http://schemas.microsoft.com/office/drawing/2014/main" id="{8704DAFD-636A-404B-A3BC-A57C1C487F8C}"/>
+                <a16:creationId xmlns:a16="http://schemas.microsoft.com/office/drawing/2014/main" id="{41F77D4E-23C6-49C8-915D-9F517B61F1CA}"/>
               </a:ext>
             </a:extLst>
           </p:cNvPr>
@@ -4346,109 +4333,31 @@
         </p:nvSpPr>
         <p:spPr/>
         <p:txBody>
-          <a:bodyPr/>
+          <a:bodyPr>
+            <a:normAutofit/>
+          </a:bodyPr>
           <a:lstStyle/>
           <a:p>
             <a:r>
-              <a:rPr lang="en-US" sz="1800" dirty="0">
-                <a:solidFill>
-                  <a:srgbClr val="454545"/>
-                </a:solidFill>
-                <a:latin typeface="Verdana" panose="020B0604030504040204" pitchFamily="34" charset="0"/>
-              </a:rPr>
-              <a:t> Nashville Software School (NSS)</a:t>
-            </a:r>
-          </a:p>
-          <a:p>
-            <a:pPr marL="0" indent="0">
-              <a:buNone/>
-            </a:pPr>
-            <a:endParaRPr lang="en-US" b="0" i="0" dirty="0">
-              <a:solidFill>
-                <a:srgbClr val="454545"/>
-              </a:solidFill>
-              <a:effectLst/>
-              <a:latin typeface="Verdana" panose="020B0604030504040204" pitchFamily="34" charset="0"/>
-            </a:endParaRPr>
-          </a:p>
-          <a:p>
-            <a:r>
-              <a:rPr lang="en-US" sz="1800" b="0" i="0" dirty="0">
-                <a:solidFill>
-                  <a:srgbClr val="454545"/>
-                </a:solidFill>
-                <a:effectLst/>
-                <a:latin typeface="Verdana" panose="020B0604030504040204" pitchFamily="34" charset="0"/>
-              </a:rPr>
-              <a:t>Institute for Health Metrics and Evaluation (IHME) who conducted the research needed to provide the data.</a:t>
-            </a:r>
-          </a:p>
-          <a:p>
-            <a:endParaRPr lang="en-US" sz="1800" dirty="0">
-              <a:solidFill>
-                <a:srgbClr val="454545"/>
-              </a:solidFill>
-              <a:latin typeface="Verdana" panose="020B0604030504040204" pitchFamily="34" charset="0"/>
-            </a:endParaRPr>
-          </a:p>
-          <a:p>
-            <a:r>
-              <a:rPr lang="en-US" sz="1800" b="0" i="0" dirty="0">
-                <a:solidFill>
-                  <a:srgbClr val="454545"/>
-                </a:solidFill>
-                <a:effectLst/>
-                <a:latin typeface="Verdana" panose="020B0604030504040204" pitchFamily="34" charset="0"/>
-              </a:rPr>
-              <a:t>Global Health Data Exchange (</a:t>
-            </a:r>
-            <a:r>
-              <a:rPr lang="en-US" sz="1800" b="0" i="0" dirty="0" err="1">
-                <a:solidFill>
-                  <a:srgbClr val="454545"/>
-                </a:solidFill>
-                <a:effectLst/>
-                <a:latin typeface="Verdana" panose="020B0604030504040204" pitchFamily="34" charset="0"/>
-              </a:rPr>
-              <a:t>GHDx</a:t>
-            </a:r>
-            <a:r>
-              <a:rPr lang="en-US" sz="1800" b="0" i="0" dirty="0">
-                <a:solidFill>
-                  <a:srgbClr val="454545"/>
-                </a:solidFill>
-                <a:effectLst/>
-                <a:latin typeface="Verdana" panose="020B0604030504040204" pitchFamily="34" charset="0"/>
-              </a:rPr>
-              <a:t>), The hub that stores the World’s Health Data</a:t>
-            </a:r>
-          </a:p>
-          <a:p>
-            <a:endParaRPr lang="en-US" b="0" i="0" dirty="0">
-              <a:solidFill>
-                <a:srgbClr val="454545"/>
-              </a:solidFill>
-              <a:effectLst/>
-              <a:latin typeface="Verdana" panose="020B0604030504040204" pitchFamily="34" charset="0"/>
-            </a:endParaRPr>
-          </a:p>
-          <a:p>
-            <a:pPr marL="0" indent="0">
-              <a:buNone/>
-            </a:pPr>
-            <a:endParaRPr lang="en-US" dirty="0">
-              <a:solidFill>
-                <a:srgbClr val="454545"/>
-              </a:solidFill>
-              <a:latin typeface="Verdana" panose="020B0604030504040204" pitchFamily="34" charset="0"/>
-            </a:endParaRPr>
+              <a:rPr lang="en-US" sz="2400" dirty="0"/>
+              <a:t>Gain insight over how Mortality Risk and Life Expectancy has changed from 1980-2014</a:t>
+            </a:r>
+          </a:p>
+          <a:p>
+            <a:endParaRPr lang="en-US" sz="2400" dirty="0"/>
+          </a:p>
+          <a:p>
+            <a:r>
+              <a:rPr lang="en-US" sz="2400" dirty="0"/>
+              <a:t>Navigate through a Tableau Dashboard discussing key topics and questions</a:t>
+            </a:r>
           </a:p>
         </p:txBody>
       </p:sp>
     </p:spTree>
     <p:extLst>
       <p:ext uri="{BB962C8B-B14F-4D97-AF65-F5344CB8AC3E}">
-        <p14:creationId xmlns:p14="http://schemas.microsoft.com/office/powerpoint/2010/main" val="2589882539"/>
+        <p14:creationId xmlns:p14="http://schemas.microsoft.com/office/powerpoint/2010/main" val="1101308325"/>
       </p:ext>
     </p:extLst>
   </p:cSld>
@@ -4480,7 +4389,7 @@
           <p:cNvPr id="2" name="Title 1">
             <a:extLst>
               <a:ext uri="{FF2B5EF4-FFF2-40B4-BE49-F238E27FC236}">
-                <a16:creationId xmlns:a16="http://schemas.microsoft.com/office/drawing/2014/main" id="{D73EB638-76FF-4DA4-AFC2-02957C2769F4}"/>
+                <a16:creationId xmlns:a16="http://schemas.microsoft.com/office/drawing/2014/main" id="{10D114EA-3E1D-430F-9B89-E3A0CEF0E978}"/>
               </a:ext>
             </a:extLst>
           </p:cNvPr>
@@ -4498,9 +4407,14 @@
           <a:p>
             <a:pPr algn="ctr"/>
             <a:r>
-              <a:rPr lang="en-US" b="1" dirty="0"/>
-              <a:t> Main Objective</a:t>
-            </a:r>
+              <a:rPr lang="en-US" b="1"/>
+              <a:t>The Process </a:t>
+            </a:r>
+            <a:r>
+              <a:rPr lang="en-US" sz="1800" b="1"/>
+              <a:t>(short and sweet)</a:t>
+            </a:r>
+            <a:endParaRPr lang="en-US" sz="1800" b="1" dirty="0"/>
           </a:p>
         </p:txBody>
       </p:sp>
@@ -4509,7 +4423,7 @@
           <p:cNvPr id="3" name="Content Placeholder 2">
             <a:extLst>
               <a:ext uri="{FF2B5EF4-FFF2-40B4-BE49-F238E27FC236}">
-                <a16:creationId xmlns:a16="http://schemas.microsoft.com/office/drawing/2014/main" id="{41F77D4E-23C6-49C8-915D-9F517B61F1CA}"/>
+                <a16:creationId xmlns:a16="http://schemas.microsoft.com/office/drawing/2014/main" id="{B8300D59-A736-4F59-8033-4C622BF3A844}"/>
               </a:ext>
             </a:extLst>
           </p:cNvPr>
@@ -4522,31 +4436,41 @@
         </p:nvSpPr>
         <p:spPr/>
         <p:txBody>
-          <a:bodyPr>
-            <a:normAutofit/>
-          </a:bodyPr>
+          <a:bodyPr/>
           <a:lstStyle/>
           <a:p>
             <a:r>
-              <a:rPr lang="en-US" sz="2400" dirty="0"/>
-              <a:t>Gain insight over how Mortality Risk and Life Expectancy has changed from 1980-2014</a:t>
-            </a:r>
-          </a:p>
-          <a:p>
-            <a:endParaRPr lang="en-US" sz="2400" dirty="0"/>
-          </a:p>
-          <a:p>
-            <a:r>
-              <a:rPr lang="en-US" sz="2400" dirty="0"/>
-              <a:t>Navigate through a Tableau Dashboard discussing key topics and questions</a:t>
-            </a:r>
+              <a:rPr lang="en-US" sz="2800" dirty="0"/>
+              <a:t>Find what interests and motivates  me</a:t>
+            </a:r>
+          </a:p>
+          <a:p>
+            <a:r>
+              <a:rPr lang="en-US" sz="2800" dirty="0"/>
+              <a:t>Find some data in relation to Healthcare</a:t>
+            </a:r>
+          </a:p>
+          <a:p>
+            <a:r>
+              <a:rPr lang="en-US" sz="2800" dirty="0"/>
+              <a:t>Transform the data using Excel and Python(Pandas) into clean CSVs</a:t>
+            </a:r>
+          </a:p>
+          <a:p>
+            <a:r>
+              <a:rPr lang="en-US" sz="2800" dirty="0"/>
+              <a:t>Take the clean CSVs  and plug them into Tableau  for a finished product</a:t>
+            </a:r>
+          </a:p>
+          <a:p>
+            <a:endParaRPr lang="en-US" dirty="0"/>
           </a:p>
         </p:txBody>
       </p:sp>
     </p:spTree>
     <p:extLst>
       <p:ext uri="{BB962C8B-B14F-4D97-AF65-F5344CB8AC3E}">
-        <p14:creationId xmlns:p14="http://schemas.microsoft.com/office/powerpoint/2010/main" val="1101308325"/>
+        <p14:creationId xmlns:p14="http://schemas.microsoft.com/office/powerpoint/2010/main" val="2188628473"/>
       </p:ext>
     </p:extLst>
   </p:cSld>
@@ -4559,6 +4483,32 @@
 <file path=ppt/slides/slide4.xml><?xml version="1.0" encoding="utf-8"?>
 <p:sld xmlns:a="http://schemas.openxmlformats.org/drawingml/2006/main" xmlns:r="http://schemas.openxmlformats.org/officeDocument/2006/relationships" xmlns:p="http://schemas.openxmlformats.org/presentationml/2006/main">
   <p:cSld>
+    <p:bg>
+      <p:bgPr>
+        <a:gradFill rotWithShape="1">
+          <a:gsLst>
+            <a:gs pos="0">
+              <a:schemeClr val="bg1">
+                <a:tint val="80000"/>
+                <a:shade val="100000"/>
+                <a:satMod val="300000"/>
+              </a:schemeClr>
+            </a:gs>
+            <a:gs pos="100000">
+              <a:schemeClr val="bg1">
+                <a:tint val="100000"/>
+                <a:shade val="30000"/>
+                <a:satMod val="200000"/>
+              </a:schemeClr>
+            </a:gs>
+          </a:gsLst>
+          <a:path path="circle">
+            <a:fillToRect l="50000" t="50000" r="50000" b="50000"/>
+          </a:path>
+        </a:gradFill>
+        <a:effectLst/>
+      </p:bgPr>
+    </p:bg>
     <p:spTree>
       <p:nvGrpSpPr>
         <p:cNvPr id="1" name=""/>
@@ -4573,118 +4523,157 @@
           <a:chExt cx="0" cy="0"/>
         </a:xfrm>
       </p:grpSpPr>
-      <p:sp>
-        <p:nvSpPr>
-          <p:cNvPr id="2" name="Title 1">
+      <p:sp useBgFill="1">
+        <p:nvSpPr>
+          <p:cNvPr id="13" name="Rectangle 7">
             <a:extLst>
               <a:ext uri="{FF2B5EF4-FFF2-40B4-BE49-F238E27FC236}">
-                <a16:creationId xmlns:a16="http://schemas.microsoft.com/office/drawing/2014/main" id="{10D114EA-3E1D-430F-9B89-E3A0CEF0E978}"/>
+                <a16:creationId xmlns:a16="http://schemas.microsoft.com/office/drawing/2014/main" id="{ED15573D-0E45-4691-B525-471152EC18CD}"/>
+              </a:ext>
+              <a:ext uri="{C183D7F6-B498-43B3-948B-1728B52AA6E4}">
+                <adec:decorative xmlns:adec="http://schemas.microsoft.com/office/drawing/2017/decorative" val="1"/>
               </a:ext>
             </a:extLst>
           </p:cNvPr>
           <p:cNvSpPr>
-            <a:spLocks noGrp="1"/>
-          </p:cNvSpPr>
-          <p:nvPr>
-            <p:ph type="title"/>
-          </p:nvPr>
-        </p:nvSpPr>
-        <p:spPr/>
-        <p:txBody>
-          <a:bodyPr/>
+            <a:spLocks noGrp="1" noRot="1" noChangeAspect="1" noMove="1" noResize="1" noEditPoints="1" noAdjustHandles="1" noChangeArrowheads="1" noChangeShapeType="1" noTextEdit="1"/>
+          </p:cNvSpPr>
+          <p:nvPr>
+            <p:extLst>
+              <p:ext uri="{386F3935-93C4-4BCD-93E2-E3B085C9AB24}">
+                <p16:designElem xmlns:p16="http://schemas.microsoft.com/office/powerpoint/2015/main" val="1"/>
+              </p:ext>
+            </p:extLst>
+          </p:nvPr>
+        </p:nvSpPr>
+        <p:spPr>
+          <a:xfrm>
+            <a:off x="0" y="0"/>
+            <a:ext cx="12192000" cy="6858000"/>
+          </a:xfrm>
+          <a:prstGeom prst="rect">
+            <a:avLst/>
+          </a:prstGeom>
+          <a:ln>
+            <a:noFill/>
+          </a:ln>
+        </p:spPr>
+        <p:style>
+          <a:lnRef idx="2">
+            <a:schemeClr val="accent1">
+              <a:shade val="50000"/>
+            </a:schemeClr>
+          </a:lnRef>
+          <a:fillRef idx="1">
+            <a:schemeClr val="accent1"/>
+          </a:fillRef>
+          <a:effectRef idx="0">
+            <a:schemeClr val="accent1"/>
+          </a:effectRef>
+          <a:fontRef idx="minor">
+            <a:schemeClr val="lt1"/>
+          </a:fontRef>
+        </p:style>
+        <p:txBody>
+          <a:bodyPr rtlCol="0" anchor="ctr"/>
           <a:lstStyle/>
           <a:p>
             <a:pPr algn="ctr"/>
-            <a:r>
-              <a:rPr lang="en-US" b="1" dirty="0"/>
-              <a:t>The Process </a:t>
-            </a:r>
-            <a:r>
-              <a:rPr lang="en-US" sz="1800" b="1" dirty="0"/>
-              <a:t>(short and sweet)</a:t>
-            </a:r>
-          </a:p>
-        </p:txBody>
-      </p:sp>
-      <p:sp>
-        <p:nvSpPr>
-          <p:cNvPr id="3" name="Content Placeholder 2">
+            <a:endParaRPr lang="en-US"/>
+          </a:p>
+        </p:txBody>
+      </p:sp>
+      <p:sp>
+        <p:nvSpPr>
+          <p:cNvPr id="14" name="Rectangle 9">
             <a:extLst>
               <a:ext uri="{FF2B5EF4-FFF2-40B4-BE49-F238E27FC236}">
-                <a16:creationId xmlns:a16="http://schemas.microsoft.com/office/drawing/2014/main" id="{B8300D59-A736-4F59-8033-4C622BF3A844}"/>
+                <a16:creationId xmlns:a16="http://schemas.microsoft.com/office/drawing/2014/main" id="{9E448559-19A4-4252-8C27-54C1DA906F8A}"/>
+              </a:ext>
+              <a:ext uri="{C183D7F6-B498-43B3-948B-1728B52AA6E4}">
+                <adec:decorative xmlns:adec="http://schemas.microsoft.com/office/drawing/2017/decorative" val="1"/>
               </a:ext>
             </a:extLst>
           </p:cNvPr>
           <p:cNvSpPr>
-            <a:spLocks noGrp="1"/>
-          </p:cNvSpPr>
-          <p:nvPr>
-            <p:ph idx="1"/>
-          </p:nvPr>
-        </p:nvSpPr>
-        <p:spPr/>
-        <p:txBody>
-          <a:bodyPr/>
-          <a:lstStyle/>
-          <a:p>
-            <a:r>
-              <a:rPr lang="en-US" sz="2800" dirty="0"/>
-              <a:t>Find what interests and motivates  me</a:t>
-            </a:r>
-          </a:p>
-          <a:p>
-            <a:r>
-              <a:rPr lang="en-US" sz="2800" dirty="0"/>
-              <a:t>Find some data in relation to Healthcare</a:t>
-            </a:r>
-          </a:p>
-          <a:p>
-            <a:r>
-              <a:rPr lang="en-US" sz="2800" dirty="0"/>
-              <a:t>Transform the data using Excel and Python(Pandas) into clean CSVs</a:t>
-            </a:r>
-          </a:p>
-          <a:p>
-            <a:r>
-              <a:rPr lang="en-US" sz="2800" dirty="0"/>
-              <a:t>Take the clean CSVs  and plug them into Tableau  for a finished product</a:t>
-            </a:r>
-          </a:p>
-          <a:p>
-            <a:endParaRPr lang="en-US" dirty="0"/>
-          </a:p>
-        </p:txBody>
-      </p:sp>
-    </p:spTree>
-    <p:extLst>
-      <p:ext uri="{BB962C8B-B14F-4D97-AF65-F5344CB8AC3E}">
-        <p14:creationId xmlns:p14="http://schemas.microsoft.com/office/powerpoint/2010/main" val="2188628473"/>
-      </p:ext>
-    </p:extLst>
-  </p:cSld>
-  <p:clrMapOvr>
-    <a:masterClrMapping/>
-  </p:clrMapOvr>
-</p:sld>
-</file>
-
-<file path=ppt/slides/slide5.xml><?xml version="1.0" encoding="utf-8"?>
-<p:sld xmlns:a="http://schemas.openxmlformats.org/drawingml/2006/main" xmlns:r="http://schemas.openxmlformats.org/officeDocument/2006/relationships" xmlns:p="http://schemas.openxmlformats.org/presentationml/2006/main">
-  <p:cSld>
-    <p:spTree>
-      <p:nvGrpSpPr>
-        <p:cNvPr id="1" name=""/>
-        <p:cNvGrpSpPr/>
-        <p:nvPr/>
-      </p:nvGrpSpPr>
-      <p:grpSpPr>
-        <a:xfrm>
-          <a:off x="0" y="0"/>
-          <a:ext cx="0" cy="0"/>
-          <a:chOff x="0" y="0"/>
-          <a:chExt cx="0" cy="0"/>
-        </a:xfrm>
-      </p:grpSpPr>
+            <a:spLocks noGrp="1" noRot="1" noChangeAspect="1" noMove="1" noResize="1" noEditPoints="1" noAdjustHandles="1" noChangeArrowheads="1" noChangeShapeType="1" noTextEdit="1"/>
+          </p:cNvSpPr>
+          <p:nvPr>
+            <p:extLst>
+              <p:ext uri="{386F3935-93C4-4BCD-93E2-E3B085C9AB24}">
+                <p16:designElem xmlns:p16="http://schemas.microsoft.com/office/powerpoint/2015/main" val="1"/>
+              </p:ext>
+            </p:extLst>
+          </p:nvPr>
+        </p:nvSpPr>
+        <p:spPr>
+          <a:xfrm>
+            <a:off x="234696" y="237744"/>
+            <a:ext cx="4419599" cy="6382512"/>
+          </a:xfrm>
+          <a:prstGeom prst="rect">
+            <a:avLst/>
+          </a:prstGeom>
+          <a:solidFill>
+            <a:schemeClr val="bg1">
+              <a:lumMod val="75000"/>
+              <a:alpha val="60000"/>
+            </a:schemeClr>
+          </a:solidFill>
+          <a:ln w="6350" cap="flat" cmpd="sng" algn="ctr">
+            <a:noFill/>
+            <a:prstDash val="solid"/>
+          </a:ln>
+          <a:effectLst>
+            <a:softEdge rad="0"/>
+          </a:effectLst>
+        </p:spPr>
+      </p:sp>
+      <p:sp>
+        <p:nvSpPr>
+          <p:cNvPr id="12" name="Rectangle 11">
+            <a:extLst>
+              <a:ext uri="{FF2B5EF4-FFF2-40B4-BE49-F238E27FC236}">
+                <a16:creationId xmlns:a16="http://schemas.microsoft.com/office/drawing/2014/main" id="{1B19C35E-4E30-4F1D-9FC2-F2FA6191E453}"/>
+              </a:ext>
+              <a:ext uri="{C183D7F6-B498-43B3-948B-1728B52AA6E4}">
+                <adec:decorative xmlns:adec="http://schemas.microsoft.com/office/drawing/2017/decorative" val="1"/>
+              </a:ext>
+            </a:extLst>
+          </p:cNvPr>
+          <p:cNvSpPr>
+            <a:spLocks noGrp="1" noRot="1" noChangeAspect="1" noMove="1" noResize="1" noEditPoints="1" noAdjustHandles="1" noChangeArrowheads="1" noChangeShapeType="1" noTextEdit="1"/>
+          </p:cNvSpPr>
+          <p:nvPr>
+            <p:extLst>
+              <p:ext uri="{386F3935-93C4-4BCD-93E2-E3B085C9AB24}">
+                <p16:designElem xmlns:p16="http://schemas.microsoft.com/office/powerpoint/2015/main" val="1"/>
+              </p:ext>
+            </p:extLst>
+          </p:nvPr>
+        </p:nvSpPr>
+        <p:spPr>
+          <a:xfrm>
+            <a:off x="464819" y="466344"/>
+            <a:ext cx="3959352" cy="5925312"/>
+          </a:xfrm>
+          <a:prstGeom prst="rect">
+            <a:avLst/>
+          </a:prstGeom>
+          <a:noFill/>
+          <a:ln w="6350" cap="sq" cmpd="sng" algn="ctr">
+            <a:solidFill>
+              <a:schemeClr val="tx1">
+                <a:lumMod val="75000"/>
+                <a:lumOff val="25000"/>
+              </a:schemeClr>
+            </a:solidFill>
+            <a:prstDash val="solid"/>
+            <a:miter lim="800000"/>
+          </a:ln>
+          <a:effectLst/>
+        </p:spPr>
+      </p:sp>
       <p:sp>
         <p:nvSpPr>
           <p:cNvPr id="2" name="Title 1">
@@ -4701,14 +4690,25 @@
             <p:ph type="title"/>
           </p:nvPr>
         </p:nvSpPr>
-        <p:spPr/>
-        <p:txBody>
-          <a:bodyPr/>
+        <p:spPr>
+          <a:xfrm>
+            <a:off x="676240" y="875324"/>
+            <a:ext cx="3536510" cy="5093520"/>
+          </a:xfrm>
+        </p:spPr>
+        <p:txBody>
+          <a:bodyPr>
+            <a:normAutofit/>
+          </a:bodyPr>
           <a:lstStyle/>
           <a:p>
             <a:pPr algn="ctr"/>
             <a:r>
-              <a:rPr lang="en-US" b="1" dirty="0"/>
+              <a:rPr lang="en-US" sz="4400" b="1">
+                <a:solidFill>
+                  <a:schemeClr val="tx1"/>
+                </a:solidFill>
+              </a:rPr>
               <a:t>Key Notes</a:t>
             </a:r>
           </a:p>
@@ -4730,26 +4730,27 @@
             <p:ph idx="1"/>
           </p:nvPr>
         </p:nvSpPr>
-        <p:spPr/>
-        <p:txBody>
-          <a:bodyPr/>
+        <p:spPr>
+          <a:xfrm>
+            <a:off x="5478124" y="559477"/>
+            <a:ext cx="5647076" cy="5475563"/>
+          </a:xfrm>
+        </p:spPr>
+        <p:txBody>
+          <a:bodyPr anchor="ctr">
+            <a:normAutofit/>
+          </a:bodyPr>
           <a:lstStyle/>
           <a:p>
             <a:r>
-              <a:rPr lang="en-US" sz="3600" b="0" i="0" dirty="0">
-                <a:solidFill>
-                  <a:srgbClr val="24292F"/>
-                </a:solidFill>
+              <a:rPr lang="en-US" sz="2000" b="0" i="0">
                 <a:effectLst/>
                 <a:latin typeface="-apple-system"/>
               </a:rPr>
               <a:t>Probability of death (Mortality Risk) is measured in </a:t>
             </a:r>
             <a:r>
-              <a:rPr lang="en-US" sz="3600" b="0" i="0" u="sng" dirty="0">
-                <a:solidFill>
-                  <a:srgbClr val="24292F"/>
-                </a:solidFill>
+              <a:rPr lang="en-US" sz="2000" b="0" i="0" u="sng">
                 <a:effectLst/>
                 <a:latin typeface="-apple-system"/>
               </a:rPr>
@@ -4760,30 +4761,21 @@
             <a:pPr marL="0" indent="0">
               <a:buNone/>
             </a:pPr>
-            <a:endParaRPr lang="en-US" sz="3600" b="0" i="0" u="sng" dirty="0">
-              <a:solidFill>
-                <a:srgbClr val="24292F"/>
-              </a:solidFill>
+            <a:endParaRPr lang="en-US" sz="2000" b="0" i="0" u="sng">
               <a:effectLst/>
               <a:latin typeface="-apple-system"/>
             </a:endParaRPr>
           </a:p>
           <a:p>
             <a:r>
-              <a:rPr lang="en-US" sz="3600" b="0" i="0" dirty="0">
-                <a:solidFill>
-                  <a:srgbClr val="24292F"/>
-                </a:solidFill>
+              <a:rPr lang="en-US" sz="2000" b="0" i="0">
                 <a:effectLst/>
                 <a:latin typeface="-apple-system"/>
               </a:rPr>
               <a:t>Life expectancy is measured at birth in </a:t>
             </a:r>
             <a:r>
-              <a:rPr lang="en-US" sz="3600" b="0" i="0" u="sng" dirty="0">
-                <a:solidFill>
-                  <a:srgbClr val="24292F"/>
-                </a:solidFill>
+              <a:rPr lang="en-US" sz="2000" b="0" i="0" u="sng">
                 <a:effectLst/>
                 <a:latin typeface="-apple-system"/>
               </a:rPr>
@@ -4794,7 +4786,7 @@
             <a:pPr marL="0" indent="0">
               <a:buNone/>
             </a:pPr>
-            <a:endParaRPr lang="en-US" dirty="0"/>
+            <a:endParaRPr lang="en-US" sz="2000"/>
           </a:p>
         </p:txBody>
       </p:sp>
@@ -4806,7 +4798,7 @@
     </p:extLst>
   </p:cSld>
   <p:clrMapOvr>
-    <a:masterClrMapping/>
+    <a:overrideClrMapping bg1="dk1" tx1="lt1" bg2="dk2" tx2="lt2" accent1="accent1" accent2="accent2" accent3="accent3" accent4="accent4" accent5="accent5" accent6="accent6" hlink="hlink" folHlink="folHlink"/>
   </p:clrMapOvr>
 </p:sld>
 </file>

--- a/Capstone intro slides.pptx
+++ b/Capstone intro slides.pptx
@@ -7,8 +7,9 @@
   <p:sldIdLst>
     <p:sldId id="292" r:id="rId5"/>
     <p:sldId id="310" r:id="rId6"/>
-    <p:sldId id="312" r:id="rId7"/>
-    <p:sldId id="313" r:id="rId8"/>
+    <p:sldId id="314" r:id="rId7"/>
+    <p:sldId id="312" r:id="rId8"/>
+    <p:sldId id="313" r:id="rId9"/>
   </p:sldIdLst>
   <p:sldSz cx="12192000" cy="6858000"/>
   <p:notesSz cx="6858000" cy="9144000"/>
@@ -584,7 +585,7 @@
           <a:p>
             <a:fld id="{EA0C0817-A112-4847-8014-A94B7D2A4EA3}" type="datetime1">
               <a:rPr lang="en-US" smtClean="0"/>
-              <a:t>8/13/2021</a:t>
+              <a:t>8/17/2021</a:t>
             </a:fld>
             <a:endParaRPr lang="en-US" dirty="0"/>
           </a:p>
@@ -786,7 +787,7 @@
           <a:p>
             <a:fld id="{7332B432-ACDA-4023-A761-2BAB76577B62}" type="datetime1">
               <a:rPr lang="en-US" smtClean="0"/>
-              <a:t>8/13/2021</a:t>
+              <a:t>8/17/2021</a:t>
             </a:fld>
             <a:endParaRPr lang="en-US" dirty="0"/>
           </a:p>
@@ -1385,7 +1386,7 @@
           <a:p>
             <a:fld id="{D9C646AA-F36E-4540-911D-FFFC0A0EF24A}" type="datetime1">
               <a:rPr lang="en-US" smtClean="0"/>
-              <a:t>8/13/2021</a:t>
+              <a:t>8/17/2021</a:t>
             </a:fld>
             <a:endParaRPr lang="en-US" dirty="0"/>
           </a:p>
@@ -1705,7 +1706,7 @@
           <a:p>
             <a:fld id="{69186D26-FA5F-4637-B602-B7C2DC34CFD4}" type="datetime1">
               <a:rPr lang="en-US" smtClean="0"/>
-              <a:t>8/13/2021</a:t>
+              <a:t>8/17/2021</a:t>
             </a:fld>
             <a:endParaRPr lang="en-US" dirty="0"/>
           </a:p>
@@ -2142,7 +2143,7 @@
           <a:p>
             <a:fld id="{8A7F15D8-96D1-4781-BC50-CA8A088B2FE4}" type="datetime1">
               <a:rPr lang="en-US" smtClean="0"/>
-              <a:t>8/13/2021</a:t>
+              <a:t>8/17/2021</a:t>
             </a:fld>
             <a:endParaRPr lang="en-US" dirty="0"/>
           </a:p>
@@ -2260,7 +2261,7 @@
           <a:p>
             <a:fld id="{F9A96C99-B8F8-4528-BD05-0E16E943DC09}" type="datetime1">
               <a:rPr lang="en-US" smtClean="0"/>
-              <a:t>8/13/2021</a:t>
+              <a:t>8/17/2021</a:t>
             </a:fld>
             <a:endParaRPr lang="en-US" dirty="0"/>
           </a:p>
@@ -2355,7 +2356,7 @@
           <a:p>
             <a:fld id="{03636942-C211-4B28-8DBD-C953E00AF71B}" type="datetime1">
               <a:rPr lang="en-US" smtClean="0"/>
-              <a:t>8/13/2021</a:t>
+              <a:t>8/17/2021</a:t>
             </a:fld>
             <a:endParaRPr lang="en-US" dirty="0"/>
           </a:p>
@@ -2772,7 +2773,7 @@
           <a:p>
             <a:fld id="{7E8D12A6-918A-48BD-8CB9-CA713993B0EA}" type="datetime1">
               <a:rPr lang="en-US" smtClean="0"/>
-              <a:t>8/13/2021</a:t>
+              <a:t>8/17/2021</a:t>
             </a:fld>
             <a:endParaRPr lang="en-US" dirty="0"/>
           </a:p>
@@ -3034,7 +3035,7 @@
             <a:fld id="{E778CE86-875F-4587-BCF6-FA054AFC0D53}" type="datetime1">
               <a:rPr lang="en-US" smtClean="0"/>
               <a:pPr/>
-              <a:t>8/13/2021</a:t>
+              <a:t>8/17/2021</a:t>
             </a:fld>
             <a:endParaRPr lang="en-US" dirty="0"/>
           </a:p>
@@ -3550,7 +3551,7 @@
           <a:p>
             <a:fld id="{F6FA2B21-3FCD-4721-B95C-427943F61125}" type="datetime1">
               <a:rPr lang="en-US" smtClean="0"/>
-              <a:t>8/13/2021</a:t>
+              <a:t>8/17/2021</a:t>
             </a:fld>
             <a:endParaRPr lang="en-US" dirty="0"/>
           </a:p>
@@ -4389,6 +4390,242 @@
           <p:cNvPr id="2" name="Title 1">
             <a:extLst>
               <a:ext uri="{FF2B5EF4-FFF2-40B4-BE49-F238E27FC236}">
+                <a16:creationId xmlns:a16="http://schemas.microsoft.com/office/drawing/2014/main" id="{5549661F-72E2-4AAF-81A0-C8C696471AE9}"/>
+              </a:ext>
+            </a:extLst>
+          </p:cNvPr>
+          <p:cNvSpPr>
+            <a:spLocks noGrp="1"/>
+          </p:cNvSpPr>
+          <p:nvPr>
+            <p:ph type="title"/>
+          </p:nvPr>
+        </p:nvSpPr>
+        <p:spPr/>
+        <p:txBody>
+          <a:bodyPr/>
+          <a:lstStyle/>
+          <a:p>
+            <a:pPr algn="ctr"/>
+            <a:r>
+              <a:rPr lang="en-US" b="1" dirty="0"/>
+              <a:t>Data Questions</a:t>
+            </a:r>
+          </a:p>
+        </p:txBody>
+      </p:sp>
+      <p:sp>
+        <p:nvSpPr>
+          <p:cNvPr id="3" name="Content Placeholder 2">
+            <a:extLst>
+              <a:ext uri="{FF2B5EF4-FFF2-40B4-BE49-F238E27FC236}">
+                <a16:creationId xmlns:a16="http://schemas.microsoft.com/office/drawing/2014/main" id="{48DEF7CF-CB78-4582-898B-41E87204D174}"/>
+              </a:ext>
+            </a:extLst>
+          </p:cNvPr>
+          <p:cNvSpPr>
+            <a:spLocks noGrp="1"/>
+          </p:cNvSpPr>
+          <p:nvPr>
+            <p:ph idx="1"/>
+          </p:nvPr>
+        </p:nvSpPr>
+        <p:spPr/>
+        <p:txBody>
+          <a:bodyPr/>
+          <a:lstStyle/>
+          <a:p>
+            <a:pPr marL="342900" marR="0" lvl="0" indent="-342900">
+              <a:spcBef>
+                <a:spcPts val="0"/>
+              </a:spcBef>
+              <a:spcAft>
+                <a:spcPts val="0"/>
+              </a:spcAft>
+              <a:buFont typeface="+mj-lt"/>
+              <a:buAutoNum type="arabicPeriod"/>
+            </a:pPr>
+            <a:r>
+              <a:rPr lang="en-US" sz="1800" dirty="0">
+                <a:solidFill>
+                  <a:srgbClr val="010101"/>
+                </a:solidFill>
+                <a:effectLst/>
+                <a:latin typeface="Georgia" panose="02040502050405020303" pitchFamily="18" charset="0"/>
+                <a:ea typeface="Georgia" panose="02040502050405020303" pitchFamily="18" charset="0"/>
+                <a:cs typeface="Georgia" panose="02040502050405020303" pitchFamily="18" charset="0"/>
+              </a:rPr>
+              <a:t>Has life expectancy increased or decreased in each state from 1980 to 2014?</a:t>
+            </a:r>
+          </a:p>
+          <a:p>
+            <a:pPr marL="342900" marR="0" lvl="0" indent="-342900">
+              <a:spcBef>
+                <a:spcPts val="0"/>
+              </a:spcBef>
+              <a:spcAft>
+                <a:spcPts val="0"/>
+              </a:spcAft>
+              <a:buFont typeface="+mj-lt"/>
+              <a:buAutoNum type="arabicPeriod"/>
+            </a:pPr>
+            <a:endParaRPr lang="en-US" sz="1800" dirty="0">
+              <a:effectLst/>
+              <a:latin typeface="Calibri" panose="020F0502020204030204" pitchFamily="34" charset="0"/>
+              <a:ea typeface="Calibri" panose="020F0502020204030204" pitchFamily="34" charset="0"/>
+            </a:endParaRPr>
+          </a:p>
+          <a:p>
+            <a:pPr marL="342900" marR="0" lvl="0" indent="-342900">
+              <a:spcBef>
+                <a:spcPts val="0"/>
+              </a:spcBef>
+              <a:spcAft>
+                <a:spcPts val="0"/>
+              </a:spcAft>
+              <a:buFont typeface="+mj-lt"/>
+              <a:buAutoNum type="arabicPeriod"/>
+            </a:pPr>
+            <a:r>
+              <a:rPr lang="en-US" sz="1800" dirty="0">
+                <a:solidFill>
+                  <a:srgbClr val="010101"/>
+                </a:solidFill>
+                <a:effectLst/>
+                <a:latin typeface="Georgia" panose="02040502050405020303" pitchFamily="18" charset="0"/>
+                <a:ea typeface="Georgia" panose="02040502050405020303" pitchFamily="18" charset="0"/>
+                <a:cs typeface="Georgia" panose="02040502050405020303" pitchFamily="18" charset="0"/>
+              </a:rPr>
+              <a:t>What is the trend in mortality risks for each age group?</a:t>
+            </a:r>
+          </a:p>
+          <a:p>
+            <a:pPr marL="342900" marR="0" lvl="0" indent="-342900">
+              <a:spcBef>
+                <a:spcPts val="0"/>
+              </a:spcBef>
+              <a:spcAft>
+                <a:spcPts val="0"/>
+              </a:spcAft>
+              <a:buFont typeface="+mj-lt"/>
+              <a:buAutoNum type="arabicPeriod"/>
+            </a:pPr>
+            <a:endParaRPr lang="en-US" sz="1800" dirty="0">
+              <a:effectLst/>
+              <a:latin typeface="Calibri" panose="020F0502020204030204" pitchFamily="34" charset="0"/>
+              <a:ea typeface="Calibri" panose="020F0502020204030204" pitchFamily="34" charset="0"/>
+            </a:endParaRPr>
+          </a:p>
+          <a:p>
+            <a:pPr marL="342900" marR="0" lvl="0" indent="-342900">
+              <a:spcBef>
+                <a:spcPts val="0"/>
+              </a:spcBef>
+              <a:spcAft>
+                <a:spcPts val="0"/>
+              </a:spcAft>
+              <a:buFont typeface="+mj-lt"/>
+              <a:buAutoNum type="arabicPeriod"/>
+            </a:pPr>
+            <a:r>
+              <a:rPr lang="en-US" sz="1800" dirty="0">
+                <a:solidFill>
+                  <a:srgbClr val="010101"/>
+                </a:solidFill>
+                <a:effectLst/>
+                <a:latin typeface="Georgia" panose="02040502050405020303" pitchFamily="18" charset="0"/>
+                <a:ea typeface="Georgia" panose="02040502050405020303" pitchFamily="18" charset="0"/>
+                <a:cs typeface="Georgia" panose="02040502050405020303" pitchFamily="18" charset="0"/>
+              </a:rPr>
+              <a:t>Does the mortality risk and Life Expectancy tend to be higher for male or female?</a:t>
+            </a:r>
+          </a:p>
+          <a:p>
+            <a:pPr marL="342900" marR="0" lvl="0" indent="-342900">
+              <a:spcBef>
+                <a:spcPts val="0"/>
+              </a:spcBef>
+              <a:spcAft>
+                <a:spcPts val="0"/>
+              </a:spcAft>
+              <a:buFont typeface="+mj-lt"/>
+              <a:buAutoNum type="arabicPeriod"/>
+            </a:pPr>
+            <a:endParaRPr lang="en-US" sz="1800" dirty="0">
+              <a:effectLst/>
+              <a:latin typeface="Calibri" panose="020F0502020204030204" pitchFamily="34" charset="0"/>
+              <a:ea typeface="Calibri" panose="020F0502020204030204" pitchFamily="34" charset="0"/>
+            </a:endParaRPr>
+          </a:p>
+          <a:p>
+            <a:pPr marL="342900" marR="0" lvl="0" indent="-342900">
+              <a:spcBef>
+                <a:spcPts val="0"/>
+              </a:spcBef>
+              <a:spcAft>
+                <a:spcPts val="0"/>
+              </a:spcAft>
+              <a:buFont typeface="+mj-lt"/>
+              <a:buAutoNum type="arabicPeriod"/>
+            </a:pPr>
+            <a:r>
+              <a:rPr lang="en-US" sz="1800" dirty="0">
+                <a:solidFill>
+                  <a:srgbClr val="010101"/>
+                </a:solidFill>
+                <a:effectLst/>
+                <a:latin typeface="Georgia" panose="02040502050405020303" pitchFamily="18" charset="0"/>
+                <a:ea typeface="Georgia" panose="02040502050405020303" pitchFamily="18" charset="0"/>
+                <a:cs typeface="Georgia" panose="02040502050405020303" pitchFamily="18" charset="0"/>
+              </a:rPr>
+              <a:t>Was there anything else significant in the findings? </a:t>
+            </a:r>
+            <a:endParaRPr lang="en-US" sz="1800" dirty="0">
+              <a:effectLst/>
+              <a:latin typeface="Calibri" panose="020F0502020204030204" pitchFamily="34" charset="0"/>
+              <a:ea typeface="Calibri" panose="020F0502020204030204" pitchFamily="34" charset="0"/>
+            </a:endParaRPr>
+          </a:p>
+          <a:p>
+            <a:endParaRPr lang="en-US" dirty="0"/>
+          </a:p>
+        </p:txBody>
+      </p:sp>
+    </p:spTree>
+    <p:extLst>
+      <p:ext uri="{BB962C8B-B14F-4D97-AF65-F5344CB8AC3E}">
+        <p14:creationId xmlns:p14="http://schemas.microsoft.com/office/powerpoint/2010/main" val="1924000959"/>
+      </p:ext>
+    </p:extLst>
+  </p:cSld>
+  <p:clrMapOvr>
+    <a:masterClrMapping/>
+  </p:clrMapOvr>
+</p:sld>
+</file>
+
+<file path=ppt/slides/slide4.xml><?xml version="1.0" encoding="utf-8"?>
+<p:sld xmlns:a="http://schemas.openxmlformats.org/drawingml/2006/main" xmlns:r="http://schemas.openxmlformats.org/officeDocument/2006/relationships" xmlns:p="http://schemas.openxmlformats.org/presentationml/2006/main">
+  <p:cSld>
+    <p:spTree>
+      <p:nvGrpSpPr>
+        <p:cNvPr id="1" name=""/>
+        <p:cNvGrpSpPr/>
+        <p:nvPr/>
+      </p:nvGrpSpPr>
+      <p:grpSpPr>
+        <a:xfrm>
+          <a:off x="0" y="0"/>
+          <a:ext cx="0" cy="0"/>
+          <a:chOff x="0" y="0"/>
+          <a:chExt cx="0" cy="0"/>
+        </a:xfrm>
+      </p:grpSpPr>
+      <p:sp>
+        <p:nvSpPr>
+          <p:cNvPr id="2" name="Title 1">
+            <a:extLst>
+              <a:ext uri="{FF2B5EF4-FFF2-40B4-BE49-F238E27FC236}">
                 <a16:creationId xmlns:a16="http://schemas.microsoft.com/office/drawing/2014/main" id="{10D114EA-3E1D-430F-9B89-E3A0CEF0E978}"/>
               </a:ext>
             </a:extLst>
@@ -4480,7 +4717,7 @@
 </p:sld>
 </file>
 
-<file path=ppt/slides/slide4.xml><?xml version="1.0" encoding="utf-8"?>
+<file path=ppt/slides/slide5.xml><?xml version="1.0" encoding="utf-8"?>
 <p:sld xmlns:a="http://schemas.openxmlformats.org/drawingml/2006/main" xmlns:r="http://schemas.openxmlformats.org/officeDocument/2006/relationships" xmlns:p="http://schemas.openxmlformats.org/presentationml/2006/main">
   <p:cSld>
     <p:bg>
@@ -5123,6 +5360,24 @@
 </file>
 
 <file path=customXml/item1.xml><?xml version="1.0" encoding="utf-8"?>
+<?mso-contentType ?>
+<FormTemplates xmlns="http://schemas.microsoft.com/sharepoint/v3/contenttype/forms">
+  <Display>DocumentLibraryForm</Display>
+  <Edit>DocumentLibraryForm</Edit>
+  <New>DocumentLibraryForm</New>
+</FormTemplates>
+</file>
+
+<file path=customXml/item2.xml><?xml version="1.0" encoding="utf-8"?>
+<p:properties xmlns:p="http://schemas.microsoft.com/office/2006/metadata/properties" xmlns:xsi="http://www.w3.org/2001/XMLSchema-instance" xmlns:pc="http://schemas.microsoft.com/office/infopath/2007/PartnerControls">
+  <documentManagement>
+    <Status xmlns="71af3243-3dd4-4a8d-8c0d-dd76da1f02a5">Not started</Status>
+    <MediaServiceKeyPoints xmlns="71af3243-3dd4-4a8d-8c0d-dd76da1f02a5" xsi:nil="true"/>
+  </documentManagement>
+</p:properties>
+</file>
+
+<file path=customXml/item3.xml><?xml version="1.0" encoding="utf-8"?>
 <ct:contentTypeSchema xmlns:ct="http://schemas.microsoft.com/office/2006/metadata/contentType" xmlns:ma="http://schemas.microsoft.com/office/2006/metadata/properties/metaAttributes" ct:_="" ma:_="" ma:contentTypeName="Document" ma:contentTypeID="0x01010079F111ED35F8CC479449609E8A0923A6" ma:contentTypeVersion="12" ma:contentTypeDescription="Create a new document." ma:contentTypeScope="" ma:versionID="a410dd7f93c95333ffa1b60ed6adedd1">
   <xsd:schema xmlns:xsd="http://www.w3.org/2001/XMLSchema" xmlns:xs="http://www.w3.org/2001/XMLSchema" xmlns:p="http://schemas.microsoft.com/office/2006/metadata/properties" xmlns:ns2="71af3243-3dd4-4a8d-8c0d-dd76da1f02a5" xmlns:ns3="16c05727-aa75-4e4a-9b5f-8a80a1165891" targetNamespace="http://schemas.microsoft.com/office/2006/metadata/properties" ma:root="true" ma:fieldsID="a936d9baba76aa3866493feff160faab" ns2:_="" ns3:_="">
     <xsd:import namespace="71af3243-3dd4-4a8d-8c0d-dd76da1f02a5"/>
@@ -5343,25 +5598,25 @@
 </ct:contentTypeSchema>
 </file>
 
-<file path=customXml/item2.xml><?xml version="1.0" encoding="utf-8"?>
-<p:properties xmlns:p="http://schemas.microsoft.com/office/2006/metadata/properties" xmlns:xsi="http://www.w3.org/2001/XMLSchema-instance" xmlns:pc="http://schemas.microsoft.com/office/infopath/2007/PartnerControls">
-  <documentManagement>
-    <Status xmlns="71af3243-3dd4-4a8d-8c0d-dd76da1f02a5">Not started</Status>
-    <MediaServiceKeyPoints xmlns="71af3243-3dd4-4a8d-8c0d-dd76da1f02a5" xsi:nil="true"/>
-  </documentManagement>
-</p:properties>
+<file path=customXml/itemProps1.xml><?xml version="1.0" encoding="utf-8"?>
+<ds:datastoreItem xmlns:ds="http://schemas.openxmlformats.org/officeDocument/2006/customXml" ds:itemID="{AE2713E1-6312-427E-BFCB-C5A5DA301373}">
+  <ds:schemaRefs>
+    <ds:schemaRef ds:uri="http://schemas.microsoft.com/sharepoint/v3/contenttype/forms"/>
+  </ds:schemaRefs>
+</ds:datastoreItem>
 </file>
 
-<file path=customXml/item3.xml><?xml version="1.0" encoding="utf-8"?>
-<?mso-contentType ?>
-<FormTemplates xmlns="http://schemas.microsoft.com/sharepoint/v3/contenttype/forms">
-  <Display>DocumentLibraryForm</Display>
-  <Edit>DocumentLibraryForm</Edit>
-  <New>DocumentLibraryForm</New>
-</FormTemplates>
+<file path=customXml/itemProps2.xml><?xml version="1.0" encoding="utf-8"?>
+<ds:datastoreItem xmlns:ds="http://schemas.openxmlformats.org/officeDocument/2006/customXml" ds:itemID="{52F3B215-496E-4790-A364-7C1C46DEC771}">
+  <ds:schemaRefs>
+    <ds:schemaRef ds:uri="http://schemas.microsoft.com/office/2006/metadata/properties"/>
+    <ds:schemaRef ds:uri="http://schemas.microsoft.com/office/infopath/2007/PartnerControls"/>
+    <ds:schemaRef ds:uri="71af3243-3dd4-4a8d-8c0d-dd76da1f02a5"/>
+  </ds:schemaRefs>
+</ds:datastoreItem>
 </file>
 
-<file path=customXml/itemProps1.xml><?xml version="1.0" encoding="utf-8"?>
+<file path=customXml/itemProps3.xml><?xml version="1.0" encoding="utf-8"?>
 <ds:datastoreItem xmlns:ds="http://schemas.openxmlformats.org/officeDocument/2006/customXml" ds:itemID="{50DB95DD-0319-4EE5-8C5C-9CEDF75E024B}">
   <ds:schemaRefs>
     <ds:schemaRef ds:uri="http://schemas.microsoft.com/office/2006/metadata/contentType"/>
@@ -5378,22 +5633,4 @@
     <ds:schemaRef ds:uri="http://schemas.microsoft.com/internal/obd"/>
   </ds:schemaRefs>
 </ds:datastoreItem>
-</file>
-
-<file path=customXml/itemProps2.xml><?xml version="1.0" encoding="utf-8"?>
-<ds:datastoreItem xmlns:ds="http://schemas.openxmlformats.org/officeDocument/2006/customXml" ds:itemID="{52F3B215-496E-4790-A364-7C1C46DEC771}">
-  <ds:schemaRefs>
-    <ds:schemaRef ds:uri="http://schemas.microsoft.com/office/2006/metadata/properties"/>
-    <ds:schemaRef ds:uri="http://schemas.microsoft.com/office/infopath/2007/PartnerControls"/>
-    <ds:schemaRef ds:uri="71af3243-3dd4-4a8d-8c0d-dd76da1f02a5"/>
-  </ds:schemaRefs>
-</ds:datastoreItem>
-</file>
-
-<file path=customXml/itemProps3.xml><?xml version="1.0" encoding="utf-8"?>
-<ds:datastoreItem xmlns:ds="http://schemas.openxmlformats.org/officeDocument/2006/customXml" ds:itemID="{AE2713E1-6312-427E-BFCB-C5A5DA301373}">
-  <ds:schemaRefs>
-    <ds:schemaRef ds:uri="http://schemas.microsoft.com/sharepoint/v3/contenttype/forms"/>
-  </ds:schemaRefs>
-</ds:datastoreItem>
 </file>